--- a/other docs/RDICE_presentation.pptx
+++ b/other docs/RDICE_presentation.pptx
@@ -131,7 +131,7 @@
   <pc:docChgLst>
     <pc:chgData name="Javier Sanchez Alvarez" userId="cd8f4763-ef1f-4fa2-b3c6-9eb6385c0c14" providerId="ADAL" clId="{BF1516D0-CC29-4B72-9012-80DE5C0C0D73}"/>
     <pc:docChg chg="undo custSel addSld modSld">
-      <pc:chgData name="Javier Sanchez Alvarez" userId="cd8f4763-ef1f-4fa2-b3c6-9eb6385c0c14" providerId="ADAL" clId="{BF1516D0-CC29-4B72-9012-80DE5C0C0D73}" dt="2024-10-21T12:04:10.588" v="3399" actId="20577"/>
+      <pc:chgData name="Javier Sanchez Alvarez" userId="cd8f4763-ef1f-4fa2-b3c6-9eb6385c0c14" providerId="ADAL" clId="{BF1516D0-CC29-4B72-9012-80DE5C0C0D73}" dt="2024-10-22T07:46:55.006" v="3566" actId="20577"/>
       <pc:docMkLst>
         <pc:docMk/>
       </pc:docMkLst>
@@ -159,7 +159,7 @@
         </pc:spChg>
       </pc:sldChg>
       <pc:sldChg chg="modSp mod">
-        <pc:chgData name="Javier Sanchez Alvarez" userId="cd8f4763-ef1f-4fa2-b3c6-9eb6385c0c14" providerId="ADAL" clId="{BF1516D0-CC29-4B72-9012-80DE5C0C0D73}" dt="2024-10-21T11:49:15.944" v="1834" actId="6549"/>
+        <pc:chgData name="Javier Sanchez Alvarez" userId="cd8f4763-ef1f-4fa2-b3c6-9eb6385c0c14" providerId="ADAL" clId="{BF1516D0-CC29-4B72-9012-80DE5C0C0D73}" dt="2024-10-22T07:27:48.531" v="3422" actId="20577"/>
         <pc:sldMkLst>
           <pc:docMk/>
           <pc:sldMk cId="2488000000" sldId="257"/>
@@ -173,7 +173,7 @@
           </ac:spMkLst>
         </pc:spChg>
         <pc:spChg chg="mod">
-          <ac:chgData name="Javier Sanchez Alvarez" userId="cd8f4763-ef1f-4fa2-b3c6-9eb6385c0c14" providerId="ADAL" clId="{BF1516D0-CC29-4B72-9012-80DE5C0C0D73}" dt="2024-10-21T11:49:15.944" v="1834" actId="6549"/>
+          <ac:chgData name="Javier Sanchez Alvarez" userId="cd8f4763-ef1f-4fa2-b3c6-9eb6385c0c14" providerId="ADAL" clId="{BF1516D0-CC29-4B72-9012-80DE5C0C0D73}" dt="2024-10-22T07:27:48.531" v="3422" actId="20577"/>
           <ac:spMkLst>
             <pc:docMk/>
             <pc:sldMk cId="2488000000" sldId="257"/>
@@ -266,7 +266,7 @@
         </pc:spChg>
       </pc:sldChg>
       <pc:sldChg chg="modSp add mod">
-        <pc:chgData name="Javier Sanchez Alvarez" userId="cd8f4763-ef1f-4fa2-b3c6-9eb6385c0c14" providerId="ADAL" clId="{BF1516D0-CC29-4B72-9012-80DE5C0C0D73}" dt="2024-10-21T12:04:10.588" v="3399" actId="20577"/>
+        <pc:chgData name="Javier Sanchez Alvarez" userId="cd8f4763-ef1f-4fa2-b3c6-9eb6385c0c14" providerId="ADAL" clId="{BF1516D0-CC29-4B72-9012-80DE5C0C0D73}" dt="2024-10-22T07:46:55.006" v="3566" actId="20577"/>
         <pc:sldMkLst>
           <pc:docMk/>
           <pc:sldMk cId="826353255" sldId="262"/>
@@ -280,7 +280,7 @@
           </ac:spMkLst>
         </pc:spChg>
         <pc:spChg chg="mod">
-          <ac:chgData name="Javier Sanchez Alvarez" userId="cd8f4763-ef1f-4fa2-b3c6-9eb6385c0c14" providerId="ADAL" clId="{BF1516D0-CC29-4B72-9012-80DE5C0C0D73}" dt="2024-10-21T12:04:10.588" v="3399" actId="20577"/>
+          <ac:chgData name="Javier Sanchez Alvarez" userId="cd8f4763-ef1f-4fa2-b3c6-9eb6385c0c14" providerId="ADAL" clId="{BF1516D0-CC29-4B72-9012-80DE5C0C0D73}" dt="2024-10-22T07:46:55.006" v="3566" actId="20577"/>
           <ac:spMkLst>
             <pc:docMk/>
             <pc:sldMk cId="826353255" sldId="262"/>
@@ -440,7 +440,7 @@
           <a:p>
             <a:fld id="{249C367D-D4B5-4A47-9647-004A12304D11}" type="datetimeFigureOut">
               <a:rPr lang="en-US" smtClean="0"/>
-              <a:t>10/21/2024</a:t>
+              <a:t>10/22/2024</a:t>
             </a:fld>
             <a:endParaRPr lang="en-US"/>
           </a:p>
@@ -638,7 +638,7 @@
           <a:p>
             <a:fld id="{249C367D-D4B5-4A47-9647-004A12304D11}" type="datetimeFigureOut">
               <a:rPr lang="en-US" smtClean="0"/>
-              <a:t>10/21/2024</a:t>
+              <a:t>10/22/2024</a:t>
             </a:fld>
             <a:endParaRPr lang="en-US"/>
           </a:p>
@@ -846,7 +846,7 @@
           <a:p>
             <a:fld id="{249C367D-D4B5-4A47-9647-004A12304D11}" type="datetimeFigureOut">
               <a:rPr lang="en-US" smtClean="0"/>
-              <a:t>10/21/2024</a:t>
+              <a:t>10/22/2024</a:t>
             </a:fld>
             <a:endParaRPr lang="en-US"/>
           </a:p>
@@ -1044,7 +1044,7 @@
           <a:p>
             <a:fld id="{249C367D-D4B5-4A47-9647-004A12304D11}" type="datetimeFigureOut">
               <a:rPr lang="en-US" smtClean="0"/>
-              <a:t>10/21/2024</a:t>
+              <a:t>10/22/2024</a:t>
             </a:fld>
             <a:endParaRPr lang="en-US"/>
           </a:p>
@@ -1319,7 +1319,7 @@
           <a:p>
             <a:fld id="{249C367D-D4B5-4A47-9647-004A12304D11}" type="datetimeFigureOut">
               <a:rPr lang="en-US" smtClean="0"/>
-              <a:t>10/21/2024</a:t>
+              <a:t>10/22/2024</a:t>
             </a:fld>
             <a:endParaRPr lang="en-US"/>
           </a:p>
@@ -1584,7 +1584,7 @@
           <a:p>
             <a:fld id="{249C367D-D4B5-4A47-9647-004A12304D11}" type="datetimeFigureOut">
               <a:rPr lang="en-US" smtClean="0"/>
-              <a:t>10/21/2024</a:t>
+              <a:t>10/22/2024</a:t>
             </a:fld>
             <a:endParaRPr lang="en-US"/>
           </a:p>
@@ -1996,7 +1996,7 @@
           <a:p>
             <a:fld id="{249C367D-D4B5-4A47-9647-004A12304D11}" type="datetimeFigureOut">
               <a:rPr lang="en-US" smtClean="0"/>
-              <a:t>10/21/2024</a:t>
+              <a:t>10/22/2024</a:t>
             </a:fld>
             <a:endParaRPr lang="en-US"/>
           </a:p>
@@ -2137,7 +2137,7 @@
           <a:p>
             <a:fld id="{249C367D-D4B5-4A47-9647-004A12304D11}" type="datetimeFigureOut">
               <a:rPr lang="en-US" smtClean="0"/>
-              <a:t>10/21/2024</a:t>
+              <a:t>10/22/2024</a:t>
             </a:fld>
             <a:endParaRPr lang="en-US"/>
           </a:p>
@@ -2250,7 +2250,7 @@
           <a:p>
             <a:fld id="{249C367D-D4B5-4A47-9647-004A12304D11}" type="datetimeFigureOut">
               <a:rPr lang="en-US" smtClean="0"/>
-              <a:t>10/21/2024</a:t>
+              <a:t>10/22/2024</a:t>
             </a:fld>
             <a:endParaRPr lang="en-US"/>
           </a:p>
@@ -2561,7 +2561,7 @@
           <a:p>
             <a:fld id="{249C367D-D4B5-4A47-9647-004A12304D11}" type="datetimeFigureOut">
               <a:rPr lang="en-US" smtClean="0"/>
-              <a:t>10/21/2024</a:t>
+              <a:t>10/22/2024</a:t>
             </a:fld>
             <a:endParaRPr lang="en-US"/>
           </a:p>
@@ -2849,7 +2849,7 @@
           <a:p>
             <a:fld id="{249C367D-D4B5-4A47-9647-004A12304D11}" type="datetimeFigureOut">
               <a:rPr lang="en-US" smtClean="0"/>
-              <a:t>10/21/2024</a:t>
+              <a:t>10/22/2024</a:t>
             </a:fld>
             <a:endParaRPr lang="en-US"/>
           </a:p>
@@ -3090,7 +3090,7 @@
           <a:p>
             <a:fld id="{249C367D-D4B5-4A47-9647-004A12304D11}" type="datetimeFigureOut">
               <a:rPr lang="en-US" smtClean="0"/>
-              <a:t>10/21/2024</a:t>
+              <a:t>10/22/2024</a:t>
             </a:fld>
             <a:endParaRPr lang="en-US"/>
           </a:p>
@@ -3766,7 +3766,7 @@
             </a:pPr>
             <a:r>
               <a:rPr lang="en-US" sz="1200" dirty="0"/>
-              <a:t>User-friendly package that facilitates the use of discrete event simulations without resource constraints for cost-effectiveness analysis in R</a:t>
+              <a:t>User-friendly package to perform discrete event simulation modelling without resource constraints for cost-effectiveness analysis in R</a:t>
             </a:r>
           </a:p>
           <a:p>
@@ -5008,6 +5008,17 @@
             <a:r>
               <a:rPr lang="en-US" sz="1400" dirty="0"/>
               <a:t>If the idea is to generate a model that has inputs in Excel, calls R and then has outputs in R, or to generate a complex HTA submission ready model, there is an existing example that could probably be used as a reference in terms of how to interact with the package</a:t>
+            </a:r>
+          </a:p>
+          <a:p>
+            <a:pPr>
+              <a:spcBef>
+                <a:spcPts val="1800"/>
+              </a:spcBef>
+            </a:pPr>
+            <a:r>
+              <a:rPr lang="en-US" sz="1400" dirty="0"/>
+              <a:t>Make sure to check the NEWS file if you have used the package in the past or just to make sure you’re up to speed with the latest changes</a:t>
             </a:r>
           </a:p>
           <a:p>
